--- a/MarketRoulet/StephenLogoApp.pptx
+++ b/MarketRoulet/StephenLogoApp.pptx
@@ -13,6 +13,7 @@
     <p:sldId id="260" r:id="rId7"/>
     <p:sldId id="261" r:id="rId8"/>
     <p:sldId id="262" r:id="rId9"/>
+    <p:sldId id="264" r:id="rId10"/>
   </p:sldIdLst>
   <p:sldSz cx="9144000" cy="6858000" type="screen4x3"/>
   <p:notesSz cx="6858000" cy="9144000"/>
@@ -296,7 +297,7 @@
             <a:fld id="{2CC51E3C-FF91-9445-815F-CC35BD5511F8}" type="datetimeFigureOut">
               <a:rPr lang="fr-FR" smtClean="0"/>
               <a:pPr/>
-              <a:t>02/03/2013</a:t>
+              <a:t>25/03/2013</a:t>
             </a:fld>
             <a:endParaRPr lang="fr-FR"/>
           </a:p>
@@ -348,7 +349,7 @@
     </p:spTree>
     <p:extLst>
       <p:ext uri="{BB962C8B-B14F-4D97-AF65-F5344CB8AC3E}">
-        <p14:creationId xmlns:p14="http://schemas.microsoft.com/office/powerpoint/2010/main" xmlns="" val="1191450459"/>
+        <p14:creationId xmlns="" xmlns:p14="http://schemas.microsoft.com/office/powerpoint/2010/main" val="1191450459"/>
       </p:ext>
     </p:extLst>
   </p:cSld>
@@ -468,7 +469,7 @@
             <a:fld id="{2CC51E3C-FF91-9445-815F-CC35BD5511F8}" type="datetimeFigureOut">
               <a:rPr lang="fr-FR" smtClean="0"/>
               <a:pPr/>
-              <a:t>02/03/2013</a:t>
+              <a:t>25/03/2013</a:t>
             </a:fld>
             <a:endParaRPr lang="fr-FR"/>
           </a:p>
@@ -520,7 +521,7 @@
     </p:spTree>
     <p:extLst>
       <p:ext uri="{BB962C8B-B14F-4D97-AF65-F5344CB8AC3E}">
-        <p14:creationId xmlns:p14="http://schemas.microsoft.com/office/powerpoint/2010/main" xmlns="" val="4173442820"/>
+        <p14:creationId xmlns="" xmlns:p14="http://schemas.microsoft.com/office/powerpoint/2010/main" val="4173442820"/>
       </p:ext>
     </p:extLst>
   </p:cSld>
@@ -650,7 +651,7 @@
             <a:fld id="{2CC51E3C-FF91-9445-815F-CC35BD5511F8}" type="datetimeFigureOut">
               <a:rPr lang="fr-FR" smtClean="0"/>
               <a:pPr/>
-              <a:t>02/03/2013</a:t>
+              <a:t>25/03/2013</a:t>
             </a:fld>
             <a:endParaRPr lang="fr-FR"/>
           </a:p>
@@ -702,7 +703,7 @@
     </p:spTree>
     <p:extLst>
       <p:ext uri="{BB962C8B-B14F-4D97-AF65-F5344CB8AC3E}">
-        <p14:creationId xmlns:p14="http://schemas.microsoft.com/office/powerpoint/2010/main" xmlns="" val="1027903452"/>
+        <p14:creationId xmlns="" xmlns:p14="http://schemas.microsoft.com/office/powerpoint/2010/main" val="1027903452"/>
       </p:ext>
     </p:extLst>
   </p:cSld>
@@ -822,7 +823,7 @@
             <a:fld id="{2CC51E3C-FF91-9445-815F-CC35BD5511F8}" type="datetimeFigureOut">
               <a:rPr lang="fr-FR" smtClean="0"/>
               <a:pPr/>
-              <a:t>02/03/2013</a:t>
+              <a:t>25/03/2013</a:t>
             </a:fld>
             <a:endParaRPr lang="fr-FR"/>
           </a:p>
@@ -874,7 +875,7 @@
     </p:spTree>
     <p:extLst>
       <p:ext uri="{BB962C8B-B14F-4D97-AF65-F5344CB8AC3E}">
-        <p14:creationId xmlns:p14="http://schemas.microsoft.com/office/powerpoint/2010/main" xmlns="" val="477885827"/>
+        <p14:creationId xmlns="" xmlns:p14="http://schemas.microsoft.com/office/powerpoint/2010/main" val="477885827"/>
       </p:ext>
     </p:extLst>
   </p:cSld>
@@ -1070,7 +1071,7 @@
             <a:fld id="{2CC51E3C-FF91-9445-815F-CC35BD5511F8}" type="datetimeFigureOut">
               <a:rPr lang="fr-FR" smtClean="0"/>
               <a:pPr/>
-              <a:t>02/03/2013</a:t>
+              <a:t>25/03/2013</a:t>
             </a:fld>
             <a:endParaRPr lang="fr-FR"/>
           </a:p>
@@ -1122,7 +1123,7 @@
     </p:spTree>
     <p:extLst>
       <p:ext uri="{BB962C8B-B14F-4D97-AF65-F5344CB8AC3E}">
-        <p14:creationId xmlns:p14="http://schemas.microsoft.com/office/powerpoint/2010/main" xmlns="" val="3724564614"/>
+        <p14:creationId xmlns="" xmlns:p14="http://schemas.microsoft.com/office/powerpoint/2010/main" val="3724564614"/>
       </p:ext>
     </p:extLst>
   </p:cSld>
@@ -1360,7 +1361,7 @@
             <a:fld id="{2CC51E3C-FF91-9445-815F-CC35BD5511F8}" type="datetimeFigureOut">
               <a:rPr lang="fr-FR" smtClean="0"/>
               <a:pPr/>
-              <a:t>02/03/2013</a:t>
+              <a:t>25/03/2013</a:t>
             </a:fld>
             <a:endParaRPr lang="fr-FR"/>
           </a:p>
@@ -1412,7 +1413,7 @@
     </p:spTree>
     <p:extLst>
       <p:ext uri="{BB962C8B-B14F-4D97-AF65-F5344CB8AC3E}">
-        <p14:creationId xmlns:p14="http://schemas.microsoft.com/office/powerpoint/2010/main" xmlns="" val="2484239980"/>
+        <p14:creationId xmlns="" xmlns:p14="http://schemas.microsoft.com/office/powerpoint/2010/main" val="2484239980"/>
       </p:ext>
     </p:extLst>
   </p:cSld>
@@ -1784,7 +1785,7 @@
             <a:fld id="{2CC51E3C-FF91-9445-815F-CC35BD5511F8}" type="datetimeFigureOut">
               <a:rPr lang="fr-FR" smtClean="0"/>
               <a:pPr/>
-              <a:t>02/03/2013</a:t>
+              <a:t>25/03/2013</a:t>
             </a:fld>
             <a:endParaRPr lang="fr-FR"/>
           </a:p>
@@ -1836,7 +1837,7 @@
     </p:spTree>
     <p:extLst>
       <p:ext uri="{BB962C8B-B14F-4D97-AF65-F5344CB8AC3E}">
-        <p14:creationId xmlns:p14="http://schemas.microsoft.com/office/powerpoint/2010/main" xmlns="" val="465600749"/>
+        <p14:creationId xmlns="" xmlns:p14="http://schemas.microsoft.com/office/powerpoint/2010/main" val="465600749"/>
       </p:ext>
     </p:extLst>
   </p:cSld>
@@ -1904,7 +1905,7 @@
             <a:fld id="{2CC51E3C-FF91-9445-815F-CC35BD5511F8}" type="datetimeFigureOut">
               <a:rPr lang="fr-FR" smtClean="0"/>
               <a:pPr/>
-              <a:t>02/03/2013</a:t>
+              <a:t>25/03/2013</a:t>
             </a:fld>
             <a:endParaRPr lang="fr-FR"/>
           </a:p>
@@ -1956,7 +1957,7 @@
     </p:spTree>
     <p:extLst>
       <p:ext uri="{BB962C8B-B14F-4D97-AF65-F5344CB8AC3E}">
-        <p14:creationId xmlns:p14="http://schemas.microsoft.com/office/powerpoint/2010/main" xmlns="" val="3114463049"/>
+        <p14:creationId xmlns="" xmlns:p14="http://schemas.microsoft.com/office/powerpoint/2010/main" val="3114463049"/>
       </p:ext>
     </p:extLst>
   </p:cSld>
@@ -2001,7 +2002,7 @@
             <a:fld id="{2CC51E3C-FF91-9445-815F-CC35BD5511F8}" type="datetimeFigureOut">
               <a:rPr lang="fr-FR" smtClean="0"/>
               <a:pPr/>
-              <a:t>02/03/2013</a:t>
+              <a:t>25/03/2013</a:t>
             </a:fld>
             <a:endParaRPr lang="fr-FR"/>
           </a:p>
@@ -2053,7 +2054,7 @@
     </p:spTree>
     <p:extLst>
       <p:ext uri="{BB962C8B-B14F-4D97-AF65-F5344CB8AC3E}">
-        <p14:creationId xmlns:p14="http://schemas.microsoft.com/office/powerpoint/2010/main" xmlns="" val="1566507804"/>
+        <p14:creationId xmlns="" xmlns:p14="http://schemas.microsoft.com/office/powerpoint/2010/main" val="1566507804"/>
       </p:ext>
     </p:extLst>
   </p:cSld>
@@ -2280,7 +2281,7 @@
             <a:fld id="{2CC51E3C-FF91-9445-815F-CC35BD5511F8}" type="datetimeFigureOut">
               <a:rPr lang="fr-FR" smtClean="0"/>
               <a:pPr/>
-              <a:t>02/03/2013</a:t>
+              <a:t>25/03/2013</a:t>
             </a:fld>
             <a:endParaRPr lang="fr-FR"/>
           </a:p>
@@ -2332,7 +2333,7 @@
     </p:spTree>
     <p:extLst>
       <p:ext uri="{BB962C8B-B14F-4D97-AF65-F5344CB8AC3E}">
-        <p14:creationId xmlns:p14="http://schemas.microsoft.com/office/powerpoint/2010/main" xmlns="" val="1336998071"/>
+        <p14:creationId xmlns="" xmlns:p14="http://schemas.microsoft.com/office/powerpoint/2010/main" val="1336998071"/>
       </p:ext>
     </p:extLst>
   </p:cSld>
@@ -2535,7 +2536,7 @@
             <a:fld id="{2CC51E3C-FF91-9445-815F-CC35BD5511F8}" type="datetimeFigureOut">
               <a:rPr lang="fr-FR" smtClean="0"/>
               <a:pPr/>
-              <a:t>02/03/2013</a:t>
+              <a:t>25/03/2013</a:t>
             </a:fld>
             <a:endParaRPr lang="fr-FR"/>
           </a:p>
@@ -2587,7 +2588,7 @@
     </p:spTree>
     <p:extLst>
       <p:ext uri="{BB962C8B-B14F-4D97-AF65-F5344CB8AC3E}">
-        <p14:creationId xmlns:p14="http://schemas.microsoft.com/office/powerpoint/2010/main" xmlns="" val="581914738"/>
+        <p14:creationId xmlns="" xmlns:p14="http://schemas.microsoft.com/office/powerpoint/2010/main" val="581914738"/>
       </p:ext>
     </p:extLst>
   </p:cSld>
@@ -2750,7 +2751,7 @@
             <a:fld id="{2CC51E3C-FF91-9445-815F-CC35BD5511F8}" type="datetimeFigureOut">
               <a:rPr lang="fr-FR" smtClean="0"/>
               <a:pPr/>
-              <a:t>02/03/2013</a:t>
+              <a:t>25/03/2013</a:t>
             </a:fld>
             <a:endParaRPr lang="fr-FR"/>
           </a:p>
@@ -2838,7 +2839,7 @@
     </p:spTree>
     <p:extLst>
       <p:ext uri="{BB962C8B-B14F-4D97-AF65-F5344CB8AC3E}">
-        <p14:creationId xmlns:p14="http://schemas.microsoft.com/office/powerpoint/2010/main" xmlns="" val="885320184"/>
+        <p14:creationId xmlns="" xmlns:p14="http://schemas.microsoft.com/office/powerpoint/2010/main" val="885320184"/>
       </p:ext>
     </p:extLst>
   </p:cSld>
@@ -3193,7 +3194,7 @@
         </p:nvSpPr>
         <p:spPr>
           <a:xfrm>
-            <a:off x="6955838" y="685693"/>
+            <a:off x="7261345" y="4186176"/>
             <a:ext cx="3339208" cy="3339208"/>
           </a:xfrm>
           <a:prstGeom prst="donut">
@@ -3297,7 +3298,7 @@
           <a:blip r:embed="rId2">
             <a:extLst>
               <a:ext uri="{BEBA8EAE-BF5A-486C-A8C5-ECC9F3942E4B}">
-                <a14:imgProps xmlns:a14="http://schemas.microsoft.com/office/drawing/2010/main" xmlns="">
+                <a14:imgProps xmlns="" xmlns:a14="http://schemas.microsoft.com/office/drawing/2010/main">
                   <a14:imgLayer r:embed="rId3">
                     <a14:imgEffect>
                       <a14:backgroundRemoval t="2010" b="100000" l="0" r="100000">
@@ -3344,7 +3345,7 @@
           <a:blip r:embed="rId4">
             <a:extLst>
               <a:ext uri="{BEBA8EAE-BF5A-486C-A8C5-ECC9F3942E4B}">
-                <a14:imgProps xmlns:a14="http://schemas.microsoft.com/office/drawing/2010/main" xmlns="">
+                <a14:imgProps xmlns="" xmlns:a14="http://schemas.microsoft.com/office/drawing/2010/main">
                   <a14:imgLayer r:embed="rId5">
                     <a14:imgEffect>
                       <a14:backgroundRemoval t="0" b="99423" l="0" r="99375"/>
@@ -3360,7 +3361,7 @@
         </p:blipFill>
         <p:spPr>
           <a:xfrm>
-            <a:off x="5730172" y="1497853"/>
+            <a:off x="4270104" y="4417045"/>
             <a:ext cx="3344228" cy="2173748"/>
           </a:xfrm>
           <a:prstGeom prst="rect">
@@ -3387,7 +3388,7 @@
             </a:duotone>
             <a:extLst>
               <a:ext uri="{BEBA8EAE-BF5A-486C-A8C5-ECC9F3942E4B}">
-                <a14:imgProps xmlns:a14="http://schemas.microsoft.com/office/drawing/2010/main" xmlns="">
+                <a14:imgProps xmlns="" xmlns:a14="http://schemas.microsoft.com/office/drawing/2010/main">
                   <a14:imgLayer r:embed="rId7">
                     <a14:imgEffect>
                       <a14:backgroundRemoval t="0" b="99423" l="0" r="99375"/>
@@ -3436,7 +3437,7 @@
             </a:clrChange>
             <a:extLst>
               <a:ext uri="{BEBA8EAE-BF5A-486C-A8C5-ECC9F3942E4B}">
-                <a14:imgProps xmlns:a14="http://schemas.microsoft.com/office/drawing/2010/main" xmlns="">
+                <a14:imgProps xmlns="" xmlns:a14="http://schemas.microsoft.com/office/drawing/2010/main">
                   <a14:imgLayer r:embed="rId9">
                     <a14:imgEffect>
                       <a14:backgroundRemoval t="1821" b="99020" l="820" r="100000">
@@ -3454,7 +3455,7 @@
         </p:blipFill>
         <p:spPr>
           <a:xfrm>
-            <a:off x="5236218" y="2874234"/>
+            <a:off x="4922348" y="5647077"/>
             <a:ext cx="3810138" cy="2125654"/>
           </a:xfrm>
           <a:prstGeom prst="rect">
@@ -4679,7 +4680,7 @@
         </p:blipFill>
         <p:spPr bwMode="auto">
           <a:xfrm>
-            <a:off x="2913585" y="2396955"/>
+            <a:off x="1411297" y="6098106"/>
             <a:ext cx="479984" cy="479984"/>
           </a:xfrm>
           <a:prstGeom prst="rect">
@@ -4931,7 +4932,7 @@
         </p:blipFill>
         <p:spPr>
           <a:xfrm>
-            <a:off x="1798693" y="1829452"/>
+            <a:off x="724267" y="4521859"/>
             <a:ext cx="3790362" cy="2068934"/>
           </a:xfrm>
           <a:prstGeom prst="rect">
@@ -5471,7 +5472,7 @@
     </p:spTree>
     <p:extLst>
       <p:ext uri="{BB962C8B-B14F-4D97-AF65-F5344CB8AC3E}">
-        <p14:creationId xmlns:p14="http://schemas.microsoft.com/office/powerpoint/2010/main" xmlns="" val="593313131"/>
+        <p14:creationId xmlns="" xmlns:p14="http://schemas.microsoft.com/office/powerpoint/2010/main" val="593313131"/>
       </p:ext>
     </p:extLst>
   </p:cSld>
@@ -5671,7 +5672,7 @@
           <a:blip r:embed="rId2">
             <a:extLst>
               <a:ext uri="{BEBA8EAE-BF5A-486C-A8C5-ECC9F3942E4B}">
-                <a14:imgProps xmlns:a14="http://schemas.microsoft.com/office/drawing/2010/main" xmlns="">
+                <a14:imgProps xmlns="" xmlns:a14="http://schemas.microsoft.com/office/drawing/2010/main">
                   <a14:imgLayer r:embed="rId3">
                     <a14:imgEffect>
                       <a14:backgroundRemoval t="0" b="99423" l="0" r="99375"/>
@@ -5714,7 +5715,7 @@
             </a:duotone>
             <a:extLst>
               <a:ext uri="{BEBA8EAE-BF5A-486C-A8C5-ECC9F3942E4B}">
-                <a14:imgProps xmlns:a14="http://schemas.microsoft.com/office/drawing/2010/main" xmlns="">
+                <a14:imgProps xmlns="" xmlns:a14="http://schemas.microsoft.com/office/drawing/2010/main">
                   <a14:imgLayer r:embed="rId5">
                     <a14:imgEffect>
                       <a14:backgroundRemoval t="0" b="99423" l="0" r="99375"/>
@@ -5763,7 +5764,7 @@
             </a:clrChange>
             <a:extLst>
               <a:ext uri="{BEBA8EAE-BF5A-486C-A8C5-ECC9F3942E4B}">
-                <a14:imgProps xmlns:a14="http://schemas.microsoft.com/office/drawing/2010/main" xmlns="">
+                <a14:imgProps xmlns="" xmlns:a14="http://schemas.microsoft.com/office/drawing/2010/main">
                   <a14:imgLayer r:embed="rId7">
                     <a14:imgEffect>
                       <a14:backgroundRemoval t="1821" b="99020" l="820" r="100000">
@@ -7272,7 +7273,7 @@
     </p:spTree>
     <p:extLst>
       <p:ext uri="{BB962C8B-B14F-4D97-AF65-F5344CB8AC3E}">
-        <p14:creationId xmlns:p14="http://schemas.microsoft.com/office/powerpoint/2010/main" xmlns="" val="729470587"/>
+        <p14:creationId xmlns="" xmlns:p14="http://schemas.microsoft.com/office/powerpoint/2010/main" val="729470587"/>
       </p:ext>
     </p:extLst>
   </p:cSld>
@@ -8021,7 +8022,7 @@
             <a:blip r:embed="rId11">
               <a:extLst>
                 <a:ext uri="{BEBA8EAE-BF5A-486C-A8C5-ECC9F3942E4B}">
-                  <a14:imgProps xmlns:a14="http://schemas.microsoft.com/office/drawing/2010/main" xmlns="">
+                  <a14:imgProps xmlns="" xmlns:a14="http://schemas.microsoft.com/office/drawing/2010/main">
                     <a14:imgLayer r:embed="rId12">
                       <a14:imgEffect>
                         <a14:backgroundRemoval t="2010" b="100000" l="0" r="100000">
@@ -8068,7 +8069,7 @@
             <a:blip r:embed="rId11">
               <a:extLst>
                 <a:ext uri="{BEBA8EAE-BF5A-486C-A8C5-ECC9F3942E4B}">
-                  <a14:imgProps xmlns:a14="http://schemas.microsoft.com/office/drawing/2010/main" xmlns="">
+                  <a14:imgProps xmlns="" xmlns:a14="http://schemas.microsoft.com/office/drawing/2010/main">
                     <a14:imgLayer r:embed="rId13">
                       <a14:imgEffect>
                         <a14:backgroundRemoval t="2010" b="100000" l="0" r="100000">
@@ -8115,7 +8116,7 @@
             <a:blip r:embed="rId11">
               <a:extLst>
                 <a:ext uri="{BEBA8EAE-BF5A-486C-A8C5-ECC9F3942E4B}">
-                  <a14:imgProps xmlns:a14="http://schemas.microsoft.com/office/drawing/2010/main" xmlns="">
+                  <a14:imgProps xmlns="" xmlns:a14="http://schemas.microsoft.com/office/drawing/2010/main">
                     <a14:imgLayer r:embed="rId12">
                       <a14:imgEffect>
                         <a14:backgroundRemoval t="2010" b="100000" l="0" r="100000">
@@ -8154,7 +8155,7 @@
     </p:spTree>
     <p:extLst>
       <p:ext uri="{BB962C8B-B14F-4D97-AF65-F5344CB8AC3E}">
-        <p14:creationId xmlns:p14="http://schemas.microsoft.com/office/powerpoint/2010/main" xmlns="" val="727438626"/>
+        <p14:creationId xmlns="" xmlns:p14="http://schemas.microsoft.com/office/powerpoint/2010/main" val="727438626"/>
       </p:ext>
     </p:extLst>
   </p:cSld>
@@ -8288,7 +8289,7 @@
               <a:blip r:embed="rId2">
                 <a:extLst>
                   <a:ext uri="{BEBA8EAE-BF5A-486C-A8C5-ECC9F3942E4B}">
-                    <a14:imgProps xmlns:a14="http://schemas.microsoft.com/office/drawing/2010/main" xmlns="">
+                    <a14:imgProps xmlns="" xmlns:a14="http://schemas.microsoft.com/office/drawing/2010/main">
                       <a14:imgLayer r:embed="rId12">
                         <a14:imgEffect>
                           <a14:backgroundRemoval t="2010" b="100000" l="0" r="100000">
@@ -8335,7 +8336,7 @@
               <a:blip r:embed="rId2">
                 <a:extLst>
                   <a:ext uri="{BEBA8EAE-BF5A-486C-A8C5-ECC9F3942E4B}">
-                    <a14:imgProps xmlns:a14="http://schemas.microsoft.com/office/drawing/2010/main" xmlns="">
+                    <a14:imgProps xmlns="" xmlns:a14="http://schemas.microsoft.com/office/drawing/2010/main">
                       <a14:imgLayer r:embed="rId13">
                         <a14:imgEffect>
                           <a14:backgroundRemoval t="2010" b="100000" l="0" r="100000">
@@ -8382,7 +8383,7 @@
               <a:blip r:embed="rId2">
                 <a:extLst>
                   <a:ext uri="{BEBA8EAE-BF5A-486C-A8C5-ECC9F3942E4B}">
-                    <a14:imgProps xmlns:a14="http://schemas.microsoft.com/office/drawing/2010/main" xmlns="">
+                    <a14:imgProps xmlns="" xmlns:a14="http://schemas.microsoft.com/office/drawing/2010/main">
                       <a14:imgLayer r:embed="rId13">
                         <a14:imgEffect>
                           <a14:backgroundRemoval t="2010" b="100000" l="0" r="100000">
@@ -9126,7 +9127,7 @@
     </p:spTree>
     <p:extLst>
       <p:ext uri="{BB962C8B-B14F-4D97-AF65-F5344CB8AC3E}">
-        <p14:creationId xmlns:p14="http://schemas.microsoft.com/office/powerpoint/2010/main" xmlns="" val="2887398651"/>
+        <p14:creationId xmlns="" xmlns:p14="http://schemas.microsoft.com/office/powerpoint/2010/main" val="2887398651"/>
       </p:ext>
     </p:extLst>
   </p:cSld>
@@ -9868,7 +9869,7 @@
     </p:spTree>
     <p:extLst>
       <p:ext uri="{BB962C8B-B14F-4D97-AF65-F5344CB8AC3E}">
-        <p14:creationId xmlns:p14="http://schemas.microsoft.com/office/powerpoint/2010/main" xmlns="" val="2887398651"/>
+        <p14:creationId xmlns="" xmlns:p14="http://schemas.microsoft.com/office/powerpoint/2010/main" val="2887398651"/>
       </p:ext>
     </p:extLst>
   </p:cSld>
@@ -10328,7 +10329,7 @@
     </p:spTree>
     <p:extLst>
       <p:ext uri="{BB962C8B-B14F-4D97-AF65-F5344CB8AC3E}">
-        <p14:creationId xmlns:p14="http://schemas.microsoft.com/office/powerpoint/2010/main" xmlns="" val="2728929262"/>
+        <p14:creationId xmlns="" xmlns:p14="http://schemas.microsoft.com/office/powerpoint/2010/main" val="2728929262"/>
       </p:ext>
     </p:extLst>
   </p:cSld>
@@ -10933,7 +10934,7 @@
     </p:spTree>
     <p:extLst>
       <p:ext uri="{BB962C8B-B14F-4D97-AF65-F5344CB8AC3E}">
-        <p14:creationId xmlns:p14="http://schemas.microsoft.com/office/powerpoint/2010/main" xmlns="" val="381302861"/>
+        <p14:creationId xmlns="" xmlns:p14="http://schemas.microsoft.com/office/powerpoint/2010/main" val="381302861"/>
       </p:ext>
     </p:extLst>
   </p:cSld>
@@ -11535,9 +11536,604 @@
     </p:spTree>
     <p:extLst>
       <p:ext uri="{BB962C8B-B14F-4D97-AF65-F5344CB8AC3E}">
-        <p14:creationId xmlns:p14="http://schemas.microsoft.com/office/powerpoint/2010/main" xmlns="" val="976362260"/>
+        <p14:creationId xmlns="" xmlns:p14="http://schemas.microsoft.com/office/powerpoint/2010/main" val="976362260"/>
       </p:ext>
     </p:extLst>
+  </p:cSld>
+  <p:clrMapOvr>
+    <a:masterClrMapping/>
+  </p:clrMapOvr>
+</p:sld>
+</file>
+
+<file path=ppt/slides/slide9.xml><?xml version="1.0" encoding="utf-8"?>
+<p:sld xmlns:a="http://schemas.openxmlformats.org/drawingml/2006/main" xmlns:r="http://schemas.openxmlformats.org/officeDocument/2006/relationships" xmlns:p="http://schemas.openxmlformats.org/presentationml/2006/main">
+  <p:cSld>
+    <p:spTree>
+      <p:nvGrpSpPr>
+        <p:cNvPr id="1" name=""/>
+        <p:cNvGrpSpPr/>
+        <p:nvPr/>
+      </p:nvGrpSpPr>
+      <p:grpSpPr>
+        <a:xfrm>
+          <a:off x="0" y="0"/>
+          <a:ext cx="0" cy="0"/>
+          <a:chOff x="0" y="0"/>
+          <a:chExt cx="0" cy="0"/>
+        </a:xfrm>
+      </p:grpSpPr>
+      <p:pic>
+        <p:nvPicPr>
+          <p:cNvPr id="8" name="Picture 9"/>
+          <p:cNvPicPr>
+            <a:picLocks noChangeAspect="1" noChangeArrowheads="1"/>
+          </p:cNvPicPr>
+          <p:nvPr/>
+        </p:nvPicPr>
+        <p:blipFill>
+          <a:blip r:embed="rId2" cstate="print">
+            <a:clrChange>
+              <a:clrFrom>
+                <a:srgbClr val="FFFFFF"/>
+              </a:clrFrom>
+              <a:clrTo>
+                <a:srgbClr val="FFFFFF">
+                  <a:alpha val="0"/>
+                </a:srgbClr>
+              </a:clrTo>
+            </a:clrChange>
+          </a:blip>
+          <a:srcRect/>
+          <a:stretch>
+            <a:fillRect/>
+          </a:stretch>
+        </p:blipFill>
+        <p:spPr bwMode="auto">
+          <a:xfrm>
+            <a:off x="822370" y="3030916"/>
+            <a:ext cx="475501" cy="475501"/>
+          </a:xfrm>
+          <a:prstGeom prst="rect">
+            <a:avLst/>
+          </a:prstGeom>
+          <a:noFill/>
+          <a:ln w="9525">
+            <a:noFill/>
+            <a:miter lim="800000"/>
+            <a:headEnd/>
+            <a:tailEnd/>
+          </a:ln>
+          <a:effectLst>
+            <a:glow rad="63500">
+              <a:schemeClr val="accent3">
+                <a:alpha val="40000"/>
+              </a:schemeClr>
+            </a:glow>
+          </a:effectLst>
+        </p:spPr>
+      </p:pic>
+      <p:grpSp>
+        <p:nvGrpSpPr>
+          <p:cNvPr id="15" name="Groupe 14"/>
+          <p:cNvGrpSpPr/>
+          <p:nvPr/>
+        </p:nvGrpSpPr>
+        <p:grpSpPr>
+          <a:xfrm>
+            <a:off x="3727080" y="2168338"/>
+            <a:ext cx="2105142" cy="1883881"/>
+            <a:chOff x="3727080" y="2168338"/>
+            <a:chExt cx="2105142" cy="1883881"/>
+          </a:xfrm>
+        </p:grpSpPr>
+        <p:sp>
+          <p:nvSpPr>
+            <p:cNvPr id="4" name="Ellipse 3"/>
+            <p:cNvSpPr/>
+            <p:nvPr/>
+          </p:nvSpPr>
+          <p:spPr>
+            <a:xfrm>
+              <a:off x="3982454" y="2368924"/>
+              <a:ext cx="1606602" cy="1503553"/>
+            </a:xfrm>
+            <a:prstGeom prst="ellipse">
+              <a:avLst/>
+            </a:prstGeom>
+            <a:noFill/>
+            <a:ln w="12700" cmpd="sng">
+              <a:solidFill>
+                <a:schemeClr val="tx2">
+                  <a:lumMod val="60000"/>
+                  <a:lumOff val="40000"/>
+                </a:schemeClr>
+              </a:solidFill>
+            </a:ln>
+            <a:effectLst>
+              <a:glow rad="228600">
+                <a:schemeClr val="accent1">
+                  <a:satMod val="175000"/>
+                  <a:alpha val="40000"/>
+                </a:schemeClr>
+              </a:glow>
+              <a:outerShdw blurRad="40000" dist="23000" dir="5400000" rotWithShape="0">
+                <a:srgbClr val="000000">
+                  <a:alpha val="35000"/>
+                </a:srgbClr>
+              </a:outerShdw>
+            </a:effectLst>
+          </p:spPr>
+          <p:style>
+            <a:lnRef idx="1">
+              <a:schemeClr val="accent1"/>
+            </a:lnRef>
+            <a:fillRef idx="3">
+              <a:schemeClr val="accent1"/>
+            </a:fillRef>
+            <a:effectRef idx="2">
+              <a:schemeClr val="accent1"/>
+            </a:effectRef>
+            <a:fontRef idx="minor">
+              <a:schemeClr val="lt1"/>
+            </a:fontRef>
+          </p:style>
+          <p:txBody>
+            <a:bodyPr rtlCol="0" anchor="ctr"/>
+            <a:lstStyle/>
+            <a:p>
+              <a:pPr algn="ctr"/>
+              <a:endParaRPr lang="fr-FR">
+                <a:noFill/>
+              </a:endParaRPr>
+            </a:p>
+          </p:txBody>
+        </p:sp>
+        <p:pic>
+          <p:nvPicPr>
+            <p:cNvPr id="5" name="Picture 13"/>
+            <p:cNvPicPr>
+              <a:picLocks noChangeAspect="1" noChangeArrowheads="1"/>
+            </p:cNvPicPr>
+            <p:nvPr/>
+          </p:nvPicPr>
+          <p:blipFill>
+            <a:blip r:embed="rId3" cstate="print">
+              <a:clrChange>
+                <a:clrFrom>
+                  <a:srgbClr val="FFFFFF"/>
+                </a:clrFrom>
+                <a:clrTo>
+                  <a:srgbClr val="FFFFFF">
+                    <a:alpha val="0"/>
+                  </a:srgbClr>
+                </a:clrTo>
+              </a:clrChange>
+            </a:blip>
+            <a:srcRect/>
+            <a:stretch>
+              <a:fillRect/>
+            </a:stretch>
+          </p:blipFill>
+          <p:spPr bwMode="auto">
+            <a:xfrm>
+              <a:off x="4930151" y="3567813"/>
+              <a:ext cx="471766" cy="474344"/>
+            </a:xfrm>
+            <a:prstGeom prst="rect">
+              <a:avLst/>
+            </a:prstGeom>
+            <a:noFill/>
+            <a:ln w="9525">
+              <a:noFill/>
+              <a:miter lim="800000"/>
+              <a:headEnd/>
+              <a:tailEnd/>
+            </a:ln>
+            <a:effectLst>
+              <a:glow rad="63500">
+                <a:schemeClr val="accent3">
+                  <a:satMod val="175000"/>
+                  <a:alpha val="40000"/>
+                </a:schemeClr>
+              </a:glow>
+            </a:effectLst>
+          </p:spPr>
+        </p:pic>
+        <p:pic>
+          <p:nvPicPr>
+            <p:cNvPr id="6" name="Picture 15"/>
+            <p:cNvPicPr>
+              <a:picLocks noChangeAspect="1" noChangeArrowheads="1"/>
+            </p:cNvPicPr>
+            <p:nvPr/>
+          </p:nvPicPr>
+          <p:blipFill>
+            <a:blip r:embed="rId4" cstate="print">
+              <a:clrChange>
+                <a:clrFrom>
+                  <a:srgbClr val="FFFFFF"/>
+                </a:clrFrom>
+                <a:clrTo>
+                  <a:srgbClr val="FFFFFF">
+                    <a:alpha val="0"/>
+                  </a:srgbClr>
+                </a:clrTo>
+              </a:clrChange>
+            </a:blip>
+            <a:srcRect/>
+            <a:stretch>
+              <a:fillRect/>
+            </a:stretch>
+          </p:blipFill>
+          <p:spPr bwMode="auto">
+            <a:xfrm>
+              <a:off x="5401917" y="3076112"/>
+              <a:ext cx="430305" cy="430305"/>
+            </a:xfrm>
+            <a:prstGeom prst="rect">
+              <a:avLst/>
+            </a:prstGeom>
+            <a:noFill/>
+            <a:ln w="9525">
+              <a:noFill/>
+              <a:miter lim="800000"/>
+              <a:headEnd/>
+              <a:tailEnd/>
+            </a:ln>
+            <a:effectLst>
+              <a:glow rad="63500">
+                <a:schemeClr val="accent5">
+                  <a:satMod val="175000"/>
+                  <a:alpha val="40000"/>
+                </a:schemeClr>
+              </a:glow>
+            </a:effectLst>
+          </p:spPr>
+        </p:pic>
+        <p:pic>
+          <p:nvPicPr>
+            <p:cNvPr id="7" name="Picture 16"/>
+            <p:cNvPicPr>
+              <a:picLocks noChangeAspect="1" noChangeArrowheads="1"/>
+            </p:cNvPicPr>
+            <p:nvPr/>
+          </p:nvPicPr>
+          <p:blipFill>
+            <a:blip r:embed="rId5" cstate="print">
+              <a:clrChange>
+                <a:clrFrom>
+                  <a:srgbClr val="FFFFFF"/>
+                </a:clrFrom>
+                <a:clrTo>
+                  <a:srgbClr val="FFFFFF">
+                    <a:alpha val="0"/>
+                  </a:srgbClr>
+                </a:clrTo>
+              </a:clrChange>
+            </a:blip>
+            <a:srcRect/>
+            <a:stretch>
+              <a:fillRect/>
+            </a:stretch>
+          </p:blipFill>
+          <p:spPr bwMode="auto">
+            <a:xfrm>
+              <a:off x="3825658" y="2485466"/>
+              <a:ext cx="468406" cy="468406"/>
+            </a:xfrm>
+            <a:prstGeom prst="rect">
+              <a:avLst/>
+            </a:prstGeom>
+            <a:noFill/>
+            <a:ln w="9525">
+              <a:noFill/>
+              <a:miter lim="800000"/>
+              <a:headEnd/>
+              <a:tailEnd/>
+            </a:ln>
+            <a:effectLst>
+              <a:glow rad="63500">
+                <a:schemeClr val="accent2">
+                  <a:satMod val="175000"/>
+                  <a:alpha val="40000"/>
+                </a:schemeClr>
+              </a:glow>
+            </a:effectLst>
+          </p:spPr>
+        </p:pic>
+        <p:pic>
+          <p:nvPicPr>
+            <p:cNvPr id="9" name="Picture 10"/>
+            <p:cNvPicPr>
+              <a:picLocks noChangeAspect="1" noChangeArrowheads="1"/>
+            </p:cNvPicPr>
+            <p:nvPr/>
+          </p:nvPicPr>
+          <p:blipFill>
+            <a:blip r:embed="rId6" cstate="print">
+              <a:clrChange>
+                <a:clrFrom>
+                  <a:srgbClr val="FFFFFF"/>
+                </a:clrFrom>
+                <a:clrTo>
+                  <a:srgbClr val="FFFFFF">
+                    <a:alpha val="0"/>
+                  </a:srgbClr>
+                </a:clrTo>
+              </a:clrChange>
+            </a:blip>
+            <a:srcRect/>
+            <a:stretch>
+              <a:fillRect/>
+            </a:stretch>
+          </p:blipFill>
+          <p:spPr bwMode="auto">
+            <a:xfrm>
+              <a:off x="5352238" y="2550932"/>
+              <a:ext cx="479984" cy="479984"/>
+            </a:xfrm>
+            <a:prstGeom prst="rect">
+              <a:avLst/>
+            </a:prstGeom>
+            <a:noFill/>
+            <a:ln w="9525">
+              <a:noFill/>
+              <a:miter lim="800000"/>
+              <a:headEnd/>
+              <a:tailEnd/>
+            </a:ln>
+            <a:effectLst>
+              <a:glow rad="63500">
+                <a:schemeClr val="accent6">
+                  <a:satMod val="175000"/>
+                  <a:alpha val="40000"/>
+                </a:schemeClr>
+              </a:glow>
+            </a:effectLst>
+          </p:spPr>
+        </p:pic>
+        <p:pic>
+          <p:nvPicPr>
+            <p:cNvPr id="10" name="Picture 17"/>
+            <p:cNvPicPr>
+              <a:picLocks noChangeAspect="1" noChangeArrowheads="1"/>
+            </p:cNvPicPr>
+            <p:nvPr/>
+          </p:nvPicPr>
+          <p:blipFill>
+            <a:blip r:embed="rId7" cstate="print">
+              <a:clrChange>
+                <a:clrFrom>
+                  <a:srgbClr val="FFFFFF"/>
+                </a:clrFrom>
+                <a:clrTo>
+                  <a:srgbClr val="FFFFFF">
+                    <a:alpha val="0"/>
+                  </a:srgbClr>
+                </a:clrTo>
+              </a:clrChange>
+            </a:blip>
+            <a:srcRect/>
+            <a:stretch>
+              <a:fillRect/>
+            </a:stretch>
+          </p:blipFill>
+          <p:spPr bwMode="auto">
+            <a:xfrm>
+              <a:off x="4839010" y="2179546"/>
+              <a:ext cx="513228" cy="513228"/>
+            </a:xfrm>
+            <a:prstGeom prst="rect">
+              <a:avLst/>
+            </a:prstGeom>
+            <a:noFill/>
+            <a:ln w="9525">
+              <a:noFill/>
+              <a:miter lim="800000"/>
+              <a:headEnd/>
+              <a:tailEnd/>
+            </a:ln>
+            <a:effectLst>
+              <a:glow rad="63500">
+                <a:schemeClr val="accent3">
+                  <a:satMod val="175000"/>
+                  <a:alpha val="40000"/>
+                </a:schemeClr>
+              </a:glow>
+            </a:effectLst>
+          </p:spPr>
+        </p:pic>
+        <p:pic>
+          <p:nvPicPr>
+            <p:cNvPr id="11" name="Picture 8"/>
+            <p:cNvPicPr>
+              <a:picLocks noChangeAspect="1" noChangeArrowheads="1"/>
+            </p:cNvPicPr>
+            <p:nvPr/>
+          </p:nvPicPr>
+          <p:blipFill>
+            <a:blip r:embed="rId8" cstate="print">
+              <a:clrChange>
+                <a:clrFrom>
+                  <a:srgbClr val="FFFFFF"/>
+                </a:clrFrom>
+                <a:clrTo>
+                  <a:srgbClr val="FFFFFF">
+                    <a:alpha val="0"/>
+                  </a:srgbClr>
+                </a:clrTo>
+              </a:clrChange>
+            </a:blip>
+            <a:srcRect/>
+            <a:stretch>
+              <a:fillRect/>
+            </a:stretch>
+          </p:blipFill>
+          <p:spPr bwMode="auto">
+            <a:xfrm rot="21303767">
+              <a:off x="3727080" y="3051341"/>
+              <a:ext cx="496046" cy="496046"/>
+            </a:xfrm>
+            <a:prstGeom prst="rect">
+              <a:avLst/>
+            </a:prstGeom>
+            <a:noFill/>
+            <a:ln w="9525">
+              <a:noFill/>
+              <a:miter lim="800000"/>
+              <a:headEnd/>
+              <a:tailEnd/>
+            </a:ln>
+            <a:effectLst>
+              <a:glow rad="63500">
+                <a:schemeClr val="accent5">
+                  <a:satMod val="175000"/>
+                  <a:alpha val="40000"/>
+                </a:schemeClr>
+              </a:glow>
+            </a:effectLst>
+            <a:scene3d>
+              <a:camera prst="orthographicFront"/>
+              <a:lightRig rig="morning" dir="t"/>
+            </a:scene3d>
+          </p:spPr>
+        </p:pic>
+        <p:pic>
+          <p:nvPicPr>
+            <p:cNvPr id="12" name="Picture 5"/>
+            <p:cNvPicPr>
+              <a:picLocks noChangeAspect="1" noChangeArrowheads="1"/>
+            </p:cNvPicPr>
+            <p:nvPr/>
+          </p:nvPicPr>
+          <p:blipFill>
+            <a:blip r:embed="rId9" cstate="print">
+              <a:clrChange>
+                <a:clrFrom>
+                  <a:srgbClr val="FFFFFF"/>
+                </a:clrFrom>
+                <a:clrTo>
+                  <a:srgbClr val="FFFFFF">
+                    <a:alpha val="0"/>
+                  </a:srgbClr>
+                </a:clrTo>
+              </a:clrChange>
+            </a:blip>
+            <a:srcRect/>
+            <a:stretch>
+              <a:fillRect/>
+            </a:stretch>
+          </p:blipFill>
+          <p:spPr bwMode="auto">
+            <a:xfrm>
+              <a:off x="4243552" y="3567813"/>
+              <a:ext cx="484406" cy="484406"/>
+            </a:xfrm>
+            <a:prstGeom prst="rect">
+              <a:avLst/>
+            </a:prstGeom>
+            <a:noFill/>
+            <a:ln w="9525">
+              <a:noFill/>
+              <a:miter lim="800000"/>
+              <a:headEnd/>
+              <a:tailEnd/>
+            </a:ln>
+            <a:effectLst>
+              <a:glow rad="63500">
+                <a:schemeClr val="accent5">
+                  <a:satMod val="175000"/>
+                  <a:alpha val="40000"/>
+                </a:schemeClr>
+              </a:glow>
+            </a:effectLst>
+            <a:scene3d>
+              <a:camera prst="orthographicFront"/>
+              <a:lightRig rig="flood" dir="t"/>
+            </a:scene3d>
+            <a:sp3d prstMaterial="softEdge"/>
+          </p:spPr>
+        </p:pic>
+        <p:pic>
+          <p:nvPicPr>
+            <p:cNvPr id="13" name="Picture 14"/>
+            <p:cNvPicPr>
+              <a:picLocks noChangeAspect="1" noChangeArrowheads="1"/>
+            </p:cNvPicPr>
+            <p:nvPr/>
+          </p:nvPicPr>
+          <p:blipFill>
+            <a:blip r:embed="rId10" cstate="print">
+              <a:clrChange>
+                <a:clrFrom>
+                  <a:srgbClr val="FFFFFF"/>
+                </a:clrFrom>
+                <a:clrTo>
+                  <a:srgbClr val="FFFFFF">
+                    <a:alpha val="0"/>
+                  </a:srgbClr>
+                </a:clrTo>
+              </a:clrChange>
+            </a:blip>
+            <a:srcRect/>
+            <a:stretch>
+              <a:fillRect/>
+            </a:stretch>
+          </p:blipFill>
+          <p:spPr bwMode="auto">
+            <a:xfrm>
+              <a:off x="4285099" y="2168338"/>
+              <a:ext cx="457200" cy="457200"/>
+            </a:xfrm>
+            <a:prstGeom prst="rect">
+              <a:avLst/>
+            </a:prstGeom>
+            <a:noFill/>
+            <a:ln w="9525">
+              <a:noFill/>
+              <a:miter lim="800000"/>
+              <a:headEnd/>
+              <a:tailEnd/>
+            </a:ln>
+            <a:effectLst>
+              <a:glow rad="63500">
+                <a:schemeClr val="accent2">
+                  <a:satMod val="175000"/>
+                  <a:alpha val="40000"/>
+                </a:schemeClr>
+              </a:glow>
+            </a:effectLst>
+          </p:spPr>
+        </p:pic>
+        <p:pic>
+          <p:nvPicPr>
+            <p:cNvPr id="1026" name="Picture 2" descr="C:\DevTools\Git\windowsPhone\graphic\WindowsPhone\light\appbar.microphone.png"/>
+            <p:cNvPicPr>
+              <a:picLocks noChangeAspect="1" noChangeArrowheads="1"/>
+            </p:cNvPicPr>
+            <p:nvPr/>
+          </p:nvPicPr>
+          <p:blipFill>
+            <a:blip r:embed="rId11"/>
+            <a:srcRect/>
+            <a:stretch>
+              <a:fillRect/>
+            </a:stretch>
+          </p:blipFill>
+          <p:spPr bwMode="auto">
+            <a:xfrm>
+              <a:off x="4149507" y="2386609"/>
+              <a:ext cx="1379005" cy="1379005"/>
+            </a:xfrm>
+            <a:prstGeom prst="rect">
+              <a:avLst/>
+            </a:prstGeom>
+            <a:noFill/>
+          </p:spPr>
+        </p:pic>
+      </p:grpSp>
+    </p:spTree>
   </p:cSld>
   <p:clrMapOvr>
     <a:masterClrMapping/>
